--- a/Seconde/Chapitre10-DescriptionDuneTrajectoire/TP-Jeu/TPVecteur.pptx
+++ b/Seconde/Chapitre10-DescriptionDuneTrajectoire/TP-Jeu/TPVecteur.pptx
@@ -263,7 +263,7 @@
           <a:p>
             <a:fld id="{52B5101F-4606-479A-8971-2D93600BCCF1}" type="datetimeFigureOut">
               <a:rPr lang="fr-FR" smtClean="0"/>
-              <a:t>27/03/2021</a:t>
+              <a:t>30/03/2021</a:t>
             </a:fld>
             <a:endParaRPr lang="fr-FR"/>
           </a:p>
@@ -463,7 +463,7 @@
           <a:p>
             <a:fld id="{52B5101F-4606-479A-8971-2D93600BCCF1}" type="datetimeFigureOut">
               <a:rPr lang="fr-FR" smtClean="0"/>
-              <a:t>27/03/2021</a:t>
+              <a:t>30/03/2021</a:t>
             </a:fld>
             <a:endParaRPr lang="fr-FR"/>
           </a:p>
@@ -673,7 +673,7 @@
           <a:p>
             <a:fld id="{52B5101F-4606-479A-8971-2D93600BCCF1}" type="datetimeFigureOut">
               <a:rPr lang="fr-FR" smtClean="0"/>
-              <a:t>27/03/2021</a:t>
+              <a:t>30/03/2021</a:t>
             </a:fld>
             <a:endParaRPr lang="fr-FR"/>
           </a:p>
@@ -873,7 +873,7 @@
           <a:p>
             <a:fld id="{52B5101F-4606-479A-8971-2D93600BCCF1}" type="datetimeFigureOut">
               <a:rPr lang="fr-FR" smtClean="0"/>
-              <a:t>27/03/2021</a:t>
+              <a:t>30/03/2021</a:t>
             </a:fld>
             <a:endParaRPr lang="fr-FR"/>
           </a:p>
@@ -1149,7 +1149,7 @@
           <a:p>
             <a:fld id="{52B5101F-4606-479A-8971-2D93600BCCF1}" type="datetimeFigureOut">
               <a:rPr lang="fr-FR" smtClean="0"/>
-              <a:t>27/03/2021</a:t>
+              <a:t>30/03/2021</a:t>
             </a:fld>
             <a:endParaRPr lang="fr-FR"/>
           </a:p>
@@ -1417,7 +1417,7 @@
           <a:p>
             <a:fld id="{52B5101F-4606-479A-8971-2D93600BCCF1}" type="datetimeFigureOut">
               <a:rPr lang="fr-FR" smtClean="0"/>
-              <a:t>27/03/2021</a:t>
+              <a:t>30/03/2021</a:t>
             </a:fld>
             <a:endParaRPr lang="fr-FR"/>
           </a:p>
@@ -1832,7 +1832,7 @@
           <a:p>
             <a:fld id="{52B5101F-4606-479A-8971-2D93600BCCF1}" type="datetimeFigureOut">
               <a:rPr lang="fr-FR" smtClean="0"/>
-              <a:t>27/03/2021</a:t>
+              <a:t>30/03/2021</a:t>
             </a:fld>
             <a:endParaRPr lang="fr-FR"/>
           </a:p>
@@ -1974,7 +1974,7 @@
           <a:p>
             <a:fld id="{52B5101F-4606-479A-8971-2D93600BCCF1}" type="datetimeFigureOut">
               <a:rPr lang="fr-FR" smtClean="0"/>
-              <a:t>27/03/2021</a:t>
+              <a:t>30/03/2021</a:t>
             </a:fld>
             <a:endParaRPr lang="fr-FR"/>
           </a:p>
@@ -2087,7 +2087,7 @@
           <a:p>
             <a:fld id="{52B5101F-4606-479A-8971-2D93600BCCF1}" type="datetimeFigureOut">
               <a:rPr lang="fr-FR" smtClean="0"/>
-              <a:t>27/03/2021</a:t>
+              <a:t>30/03/2021</a:t>
             </a:fld>
             <a:endParaRPr lang="fr-FR"/>
           </a:p>
@@ -2400,7 +2400,7 @@
           <a:p>
             <a:fld id="{52B5101F-4606-479A-8971-2D93600BCCF1}" type="datetimeFigureOut">
               <a:rPr lang="fr-FR" smtClean="0"/>
-              <a:t>27/03/2021</a:t>
+              <a:t>30/03/2021</a:t>
             </a:fld>
             <a:endParaRPr lang="fr-FR"/>
           </a:p>
@@ -2689,7 +2689,7 @@
           <a:p>
             <a:fld id="{52B5101F-4606-479A-8971-2D93600BCCF1}" type="datetimeFigureOut">
               <a:rPr lang="fr-FR" smtClean="0"/>
-              <a:t>27/03/2021</a:t>
+              <a:t>30/03/2021</a:t>
             </a:fld>
             <a:endParaRPr lang="fr-FR"/>
           </a:p>
@@ -2932,7 +2932,7 @@
           <a:p>
             <a:fld id="{52B5101F-4606-479A-8971-2D93600BCCF1}" type="datetimeFigureOut">
               <a:rPr lang="fr-FR" smtClean="0"/>
-              <a:t>27/03/2021</a:t>
+              <a:t>30/03/2021</a:t>
             </a:fld>
             <a:endParaRPr lang="fr-FR"/>
           </a:p>
@@ -5110,7 +5110,7 @@
         </p:blipFill>
         <p:spPr>
           <a:xfrm>
-            <a:off x="640831" y="0"/>
+            <a:off x="250412" y="58326"/>
             <a:ext cx="6848475" cy="6419850"/>
           </a:xfrm>
           <a:prstGeom prst="rect">
@@ -5118,6 +5118,568 @@
           </a:prstGeom>
         </p:spPr>
       </p:pic>
+      <p:grpSp>
+        <p:nvGrpSpPr>
+          <p:cNvPr id="9" name="Group 8">
+            <a:extLst>
+              <a:ext uri="{FF2B5EF4-FFF2-40B4-BE49-F238E27FC236}">
+                <a16:creationId xmlns:a16="http://schemas.microsoft.com/office/drawing/2014/main" id="{7AE55919-6F72-4EC7-931C-F1C8CA01EC6C}"/>
+              </a:ext>
+            </a:extLst>
+          </p:cNvPr>
+          <p:cNvGrpSpPr/>
+          <p:nvPr/>
+        </p:nvGrpSpPr>
+        <p:grpSpPr>
+          <a:xfrm>
+            <a:off x="3226086" y="472613"/>
+            <a:ext cx="3261060" cy="5634000"/>
+            <a:chOff x="8549579" y="427861"/>
+            <a:chExt cx="3206624" cy="5660203"/>
+          </a:xfrm>
+        </p:grpSpPr>
+        <p:pic>
+          <p:nvPicPr>
+            <p:cNvPr id="4" name="Picture 3" descr="A picture containing wall, volleyball, day&#10;&#10;Description automatically generated">
+              <a:extLst>
+                <a:ext uri="{FF2B5EF4-FFF2-40B4-BE49-F238E27FC236}">
+                  <a16:creationId xmlns:a16="http://schemas.microsoft.com/office/drawing/2014/main" id="{B485952E-BA38-4465-B6F0-AD38884F3D15}"/>
+                </a:ext>
+              </a:extLst>
+            </p:cNvPr>
+            <p:cNvPicPr>
+              <a:picLocks noChangeAspect="1"/>
+            </p:cNvPicPr>
+            <p:nvPr/>
+          </p:nvPicPr>
+          <p:blipFill rotWithShape="1">
+            <a:blip r:embed="rId3">
+              <a:extLst>
+                <a:ext uri="{28A0092B-C50C-407E-A947-70E740481C1C}">
+                  <a14:useLocalDpi xmlns:a14="http://schemas.microsoft.com/office/drawing/2010/main" val="0"/>
+                </a:ext>
+              </a:extLst>
+            </a:blip>
+            <a:srcRect l="43348" r="-1"/>
+            <a:stretch/>
+          </p:blipFill>
+          <p:spPr>
+            <a:xfrm>
+              <a:off x="8549579" y="427861"/>
+              <a:ext cx="3206624" cy="5660203"/>
+            </a:xfrm>
+            <a:prstGeom prst="rect">
+              <a:avLst/>
+            </a:prstGeom>
+          </p:spPr>
+        </p:pic>
+        <p:pic>
+          <p:nvPicPr>
+            <p:cNvPr id="6" name="Picture 5">
+              <a:extLst>
+                <a:ext uri="{FF2B5EF4-FFF2-40B4-BE49-F238E27FC236}">
+                  <a16:creationId xmlns:a16="http://schemas.microsoft.com/office/drawing/2014/main" id="{0C47881C-F7F0-4A7A-81B3-2CB0EA84ADD6}"/>
+                </a:ext>
+              </a:extLst>
+            </p:cNvPr>
+            <p:cNvPicPr>
+              <a:picLocks noChangeAspect="1"/>
+            </p:cNvPicPr>
+            <p:nvPr/>
+          </p:nvPicPr>
+          <p:blipFill rotWithShape="1">
+            <a:blip r:embed="rId4"/>
+            <a:srcRect t="13240" r="15958"/>
+            <a:stretch/>
+          </p:blipFill>
+          <p:spPr>
+            <a:xfrm>
+              <a:off x="9062356" y="5323114"/>
+              <a:ext cx="383722" cy="417740"/>
+            </a:xfrm>
+            <a:prstGeom prst="rect">
+              <a:avLst/>
+            </a:prstGeom>
+          </p:spPr>
+        </p:pic>
+        <p:pic>
+          <p:nvPicPr>
+            <p:cNvPr id="8" name="Picture 7" descr="A green and white umbrella&#10;&#10;Description automatically generated with low confidence">
+              <a:extLst>
+                <a:ext uri="{FF2B5EF4-FFF2-40B4-BE49-F238E27FC236}">
+                  <a16:creationId xmlns:a16="http://schemas.microsoft.com/office/drawing/2014/main" id="{46091D34-ACBC-4187-8054-DD0EA3084996}"/>
+                </a:ext>
+              </a:extLst>
+            </p:cNvPr>
+            <p:cNvPicPr>
+              <a:picLocks noChangeAspect="1"/>
+            </p:cNvPicPr>
+            <p:nvPr/>
+          </p:nvPicPr>
+          <p:blipFill>
+            <a:blip r:embed="rId5">
+              <a:extLst>
+                <a:ext uri="{28A0092B-C50C-407E-A947-70E740481C1C}">
+                  <a14:useLocalDpi xmlns:a14="http://schemas.microsoft.com/office/drawing/2010/main" val="0"/>
+                </a:ext>
+              </a:extLst>
+            </a:blip>
+            <a:stretch>
+              <a:fillRect/>
+            </a:stretch>
+          </p:blipFill>
+          <p:spPr>
+            <a:xfrm>
+              <a:off x="8761484" y="867871"/>
+              <a:ext cx="375788" cy="417740"/>
+            </a:xfrm>
+            <a:prstGeom prst="rect">
+              <a:avLst/>
+            </a:prstGeom>
+          </p:spPr>
+        </p:pic>
+      </p:grpSp>
+      <p:cxnSp>
+        <p:nvCxnSpPr>
+          <p:cNvPr id="11" name="Straight Arrow Connector 10">
+            <a:extLst>
+              <a:ext uri="{FF2B5EF4-FFF2-40B4-BE49-F238E27FC236}">
+                <a16:creationId xmlns:a16="http://schemas.microsoft.com/office/drawing/2014/main" id="{DBE5F234-B6CB-4646-AC3F-B628D65DAEE7}"/>
+              </a:ext>
+            </a:extLst>
+          </p:cNvPr>
+          <p:cNvCxnSpPr>
+            <a:cxnSpLocks/>
+          </p:cNvCxnSpPr>
+          <p:nvPr/>
+        </p:nvCxnSpPr>
+        <p:spPr>
+          <a:xfrm flipV="1">
+            <a:off x="3226086" y="1326393"/>
+            <a:ext cx="421240" cy="635971"/>
+          </a:xfrm>
+          <a:prstGeom prst="straightConnector1">
+            <a:avLst/>
+          </a:prstGeom>
+          <a:ln w="12700">
+            <a:solidFill>
+              <a:schemeClr val="bg1"/>
+            </a:solidFill>
+            <a:tailEnd type="stealth" w="lg" len="lg"/>
+          </a:ln>
+        </p:spPr>
+        <p:style>
+          <a:lnRef idx="1">
+            <a:schemeClr val="accent1"/>
+          </a:lnRef>
+          <a:fillRef idx="0">
+            <a:schemeClr val="accent1"/>
+          </a:fillRef>
+          <a:effectRef idx="0">
+            <a:schemeClr val="accent1"/>
+          </a:effectRef>
+          <a:fontRef idx="minor">
+            <a:schemeClr val="tx1"/>
+          </a:fontRef>
+        </p:style>
+      </p:cxnSp>
+      <p:sp>
+        <p:nvSpPr>
+          <p:cNvPr id="13" name="TextBox 12">
+            <a:extLst>
+              <a:ext uri="{FF2B5EF4-FFF2-40B4-BE49-F238E27FC236}">
+                <a16:creationId xmlns:a16="http://schemas.microsoft.com/office/drawing/2014/main" id="{C6088D04-E6AB-41D7-B073-B02B53DFF916}"/>
+              </a:ext>
+            </a:extLst>
+          </p:cNvPr>
+          <p:cNvSpPr txBox="1"/>
+          <p:nvPr/>
+        </p:nvSpPr>
+        <p:spPr>
+          <a:xfrm>
+            <a:off x="2380923" y="1872395"/>
+            <a:ext cx="1756881" cy="307777"/>
+          </a:xfrm>
+          <a:prstGeom prst="rect">
+            <a:avLst/>
+          </a:prstGeom>
+          <a:noFill/>
+        </p:spPr>
+        <p:txBody>
+          <a:bodyPr wrap="square" rtlCol="0">
+            <a:spAutoFit/>
+          </a:bodyPr>
+          <a:lstStyle/>
+          <a:p>
+            <a:r>
+              <a:rPr lang="fr-FR" sz="1400" dirty="0">
+                <a:solidFill>
+                  <a:schemeClr val="bg1"/>
+                </a:solidFill>
+              </a:rPr>
+              <a:t>Etape intermédiaire</a:t>
+            </a:r>
+          </a:p>
+        </p:txBody>
+      </p:sp>
+      <p:sp>
+        <p:nvSpPr>
+          <p:cNvPr id="14" name="TextBox 13">
+            <a:extLst>
+              <a:ext uri="{FF2B5EF4-FFF2-40B4-BE49-F238E27FC236}">
+                <a16:creationId xmlns:a16="http://schemas.microsoft.com/office/drawing/2014/main" id="{E2518466-34BC-430C-AAED-A0A7A28BE70F}"/>
+              </a:ext>
+            </a:extLst>
+          </p:cNvPr>
+          <p:cNvSpPr txBox="1"/>
+          <p:nvPr/>
+        </p:nvSpPr>
+        <p:spPr>
+          <a:xfrm>
+            <a:off x="4547058" y="5099071"/>
+            <a:ext cx="929067" cy="307777"/>
+          </a:xfrm>
+          <a:prstGeom prst="rect">
+            <a:avLst/>
+          </a:prstGeom>
+          <a:noFill/>
+        </p:spPr>
+        <p:txBody>
+          <a:bodyPr wrap="square" rtlCol="0">
+            <a:spAutoFit/>
+          </a:bodyPr>
+          <a:lstStyle/>
+          <a:p>
+            <a:r>
+              <a:rPr lang="fr-FR" sz="1400" dirty="0">
+                <a:solidFill>
+                  <a:schemeClr val="bg1"/>
+                </a:solidFill>
+              </a:rPr>
+              <a:t>Arrivée</a:t>
+            </a:r>
+          </a:p>
+        </p:txBody>
+      </p:sp>
+      <p:cxnSp>
+        <p:nvCxnSpPr>
+          <p:cNvPr id="15" name="Straight Arrow Connector 14">
+            <a:extLst>
+              <a:ext uri="{FF2B5EF4-FFF2-40B4-BE49-F238E27FC236}">
+                <a16:creationId xmlns:a16="http://schemas.microsoft.com/office/drawing/2014/main" id="{023B542F-8D4A-4EA5-A972-3EE4C8965C5D}"/>
+              </a:ext>
+            </a:extLst>
+          </p:cNvPr>
+          <p:cNvCxnSpPr>
+            <a:cxnSpLocks/>
+            <a:endCxn id="6" idx="3"/>
+          </p:cNvCxnSpPr>
+          <p:nvPr/>
+        </p:nvCxnSpPr>
+        <p:spPr>
+          <a:xfrm flipH="1">
+            <a:off x="4137804" y="5345204"/>
+            <a:ext cx="619131" cy="207903"/>
+          </a:xfrm>
+          <a:prstGeom prst="straightConnector1">
+            <a:avLst/>
+          </a:prstGeom>
+          <a:ln w="12700">
+            <a:solidFill>
+              <a:schemeClr val="bg1"/>
+            </a:solidFill>
+            <a:tailEnd type="stealth" w="lg" len="lg"/>
+          </a:ln>
+        </p:spPr>
+        <p:style>
+          <a:lnRef idx="1">
+            <a:schemeClr val="accent1"/>
+          </a:lnRef>
+          <a:fillRef idx="0">
+            <a:schemeClr val="accent1"/>
+          </a:fillRef>
+          <a:effectRef idx="0">
+            <a:schemeClr val="accent1"/>
+          </a:effectRef>
+          <a:fontRef idx="minor">
+            <a:schemeClr val="tx1"/>
+          </a:fontRef>
+        </p:style>
+      </p:cxnSp>
+      <p:cxnSp>
+        <p:nvCxnSpPr>
+          <p:cNvPr id="19" name="Straight Arrow Connector 18">
+            <a:extLst>
+              <a:ext uri="{FF2B5EF4-FFF2-40B4-BE49-F238E27FC236}">
+                <a16:creationId xmlns:a16="http://schemas.microsoft.com/office/drawing/2014/main" id="{4A13E7C8-7C87-46C2-9E66-67ECEF950A4E}"/>
+              </a:ext>
+            </a:extLst>
+          </p:cNvPr>
+          <p:cNvCxnSpPr/>
+          <p:nvPr/>
+        </p:nvCxnSpPr>
+        <p:spPr>
+          <a:xfrm flipV="1">
+            <a:off x="8445357" y="1428108"/>
+            <a:ext cx="1859623" cy="1263721"/>
+          </a:xfrm>
+          <a:prstGeom prst="straightConnector1">
+            <a:avLst/>
+          </a:prstGeom>
+          <a:ln w="41275">
+            <a:solidFill>
+              <a:srgbClr val="FF0000"/>
+            </a:solidFill>
+            <a:tailEnd type="triangle"/>
+          </a:ln>
+        </p:spPr>
+        <p:style>
+          <a:lnRef idx="1">
+            <a:schemeClr val="accent1"/>
+          </a:lnRef>
+          <a:fillRef idx="0">
+            <a:schemeClr val="accent1"/>
+          </a:fillRef>
+          <a:effectRef idx="0">
+            <a:schemeClr val="accent1"/>
+          </a:effectRef>
+          <a:fontRef idx="minor">
+            <a:schemeClr val="tx1"/>
+          </a:fontRef>
+        </p:style>
+      </p:cxnSp>
+      <p:cxnSp>
+        <p:nvCxnSpPr>
+          <p:cNvPr id="21" name="Straight Connector 20">
+            <a:extLst>
+              <a:ext uri="{FF2B5EF4-FFF2-40B4-BE49-F238E27FC236}">
+                <a16:creationId xmlns:a16="http://schemas.microsoft.com/office/drawing/2014/main" id="{2B783A94-6C19-4933-A208-0628D5E374EB}"/>
+              </a:ext>
+            </a:extLst>
+          </p:cNvPr>
+          <p:cNvCxnSpPr/>
+          <p:nvPr/>
+        </p:nvCxnSpPr>
+        <p:spPr>
+          <a:xfrm>
+            <a:off x="8445357" y="2691829"/>
+            <a:ext cx="1859623" cy="0"/>
+          </a:xfrm>
+          <a:prstGeom prst="line">
+            <a:avLst/>
+          </a:prstGeom>
+          <a:ln>
+            <a:prstDash val="dash"/>
+          </a:ln>
+        </p:spPr>
+        <p:style>
+          <a:lnRef idx="1">
+            <a:schemeClr val="accent1"/>
+          </a:lnRef>
+          <a:fillRef idx="0">
+            <a:schemeClr val="accent1"/>
+          </a:fillRef>
+          <a:effectRef idx="0">
+            <a:schemeClr val="accent1"/>
+          </a:effectRef>
+          <a:fontRef idx="minor">
+            <a:schemeClr val="tx1"/>
+          </a:fontRef>
+        </p:style>
+      </p:cxnSp>
+      <p:cxnSp>
+        <p:nvCxnSpPr>
+          <p:cNvPr id="22" name="Straight Connector 21">
+            <a:extLst>
+              <a:ext uri="{FF2B5EF4-FFF2-40B4-BE49-F238E27FC236}">
+                <a16:creationId xmlns:a16="http://schemas.microsoft.com/office/drawing/2014/main" id="{8E997C5E-237F-4B5C-92B4-78F7C638D899}"/>
+              </a:ext>
+            </a:extLst>
+          </p:cNvPr>
+          <p:cNvCxnSpPr>
+            <a:cxnSpLocks/>
+          </p:cNvCxnSpPr>
+          <p:nvPr/>
+        </p:nvCxnSpPr>
+        <p:spPr>
+          <a:xfrm>
+            <a:off x="10304980" y="1428108"/>
+            <a:ext cx="0" cy="1270053"/>
+          </a:xfrm>
+          <a:prstGeom prst="line">
+            <a:avLst/>
+          </a:prstGeom>
+          <a:ln>
+            <a:prstDash val="dash"/>
+          </a:ln>
+        </p:spPr>
+        <p:style>
+          <a:lnRef idx="1">
+            <a:schemeClr val="accent1"/>
+          </a:lnRef>
+          <a:fillRef idx="0">
+            <a:schemeClr val="accent1"/>
+          </a:fillRef>
+          <a:effectRef idx="0">
+            <a:schemeClr val="accent1"/>
+          </a:effectRef>
+          <a:fontRef idx="minor">
+            <a:schemeClr val="tx1"/>
+          </a:fontRef>
+        </p:style>
+      </p:cxnSp>
+      <p:sp>
+        <p:nvSpPr>
+          <p:cNvPr id="25" name="Rectangle 24">
+            <a:extLst>
+              <a:ext uri="{FF2B5EF4-FFF2-40B4-BE49-F238E27FC236}">
+                <a16:creationId xmlns:a16="http://schemas.microsoft.com/office/drawing/2014/main" id="{A72CFBA7-7BFE-442D-B82B-2DF82C05D413}"/>
+              </a:ext>
+            </a:extLst>
+          </p:cNvPr>
+          <p:cNvSpPr/>
+          <p:nvPr/>
+        </p:nvSpPr>
+        <p:spPr>
+          <a:xfrm>
+            <a:off x="10171416" y="2558265"/>
+            <a:ext cx="133556" cy="133564"/>
+          </a:xfrm>
+          <a:prstGeom prst="rect">
+            <a:avLst/>
+          </a:prstGeom>
+          <a:noFill/>
+        </p:spPr>
+        <p:style>
+          <a:lnRef idx="2">
+            <a:schemeClr val="accent1">
+              <a:shade val="50000"/>
+            </a:schemeClr>
+          </a:lnRef>
+          <a:fillRef idx="1">
+            <a:schemeClr val="accent1"/>
+          </a:fillRef>
+          <a:effectRef idx="0">
+            <a:schemeClr val="accent1"/>
+          </a:effectRef>
+          <a:fontRef idx="minor">
+            <a:schemeClr val="lt1"/>
+          </a:fontRef>
+        </p:style>
+        <p:txBody>
+          <a:bodyPr rtlCol="0" anchor="ctr"/>
+          <a:lstStyle/>
+          <a:p>
+            <a:pPr algn="ctr"/>
+            <a:endParaRPr lang="fr-FR"/>
+          </a:p>
+        </p:txBody>
+      </p:sp>
+      <p:sp>
+        <p:nvSpPr>
+          <p:cNvPr id="26" name="TextBox 25">
+            <a:extLst>
+              <a:ext uri="{FF2B5EF4-FFF2-40B4-BE49-F238E27FC236}">
+                <a16:creationId xmlns:a16="http://schemas.microsoft.com/office/drawing/2014/main" id="{296ACC27-1C08-4C92-A8BB-BF6151DA678E}"/>
+              </a:ext>
+            </a:extLst>
+          </p:cNvPr>
+          <p:cNvSpPr txBox="1"/>
+          <p:nvPr/>
+        </p:nvSpPr>
+        <p:spPr>
+          <a:xfrm>
+            <a:off x="9308355" y="2592815"/>
+            <a:ext cx="239213" cy="369332"/>
+          </a:xfrm>
+          <a:prstGeom prst="rect">
+            <a:avLst/>
+          </a:prstGeom>
+          <a:noFill/>
+        </p:spPr>
+        <p:txBody>
+          <a:bodyPr wrap="square" rtlCol="0">
+            <a:spAutoFit/>
+          </a:bodyPr>
+          <a:lstStyle/>
+          <a:p>
+            <a:r>
+              <a:rPr lang="fr-FR" dirty="0"/>
+              <a:t>x</a:t>
+            </a:r>
+          </a:p>
+        </p:txBody>
+      </p:sp>
+      <p:sp>
+        <p:nvSpPr>
+          <p:cNvPr id="27" name="TextBox 26">
+            <a:extLst>
+              <a:ext uri="{FF2B5EF4-FFF2-40B4-BE49-F238E27FC236}">
+                <a16:creationId xmlns:a16="http://schemas.microsoft.com/office/drawing/2014/main" id="{49B81469-F9E4-4BEF-9D74-E7046377A237}"/>
+              </a:ext>
+            </a:extLst>
+          </p:cNvPr>
+          <p:cNvSpPr txBox="1"/>
+          <p:nvPr/>
+        </p:nvSpPr>
+        <p:spPr>
+          <a:xfrm>
+            <a:off x="10246987" y="1879502"/>
+            <a:ext cx="239213" cy="369332"/>
+          </a:xfrm>
+          <a:prstGeom prst="rect">
+            <a:avLst/>
+          </a:prstGeom>
+          <a:noFill/>
+        </p:spPr>
+        <p:txBody>
+          <a:bodyPr wrap="square" rtlCol="0">
+            <a:spAutoFit/>
+          </a:bodyPr>
+          <a:lstStyle/>
+          <a:p>
+            <a:r>
+              <a:rPr lang="fr-FR" dirty="0"/>
+              <a:t>y</a:t>
+            </a:r>
+          </a:p>
+        </p:txBody>
+      </p:sp>
+      <p:sp>
+        <p:nvSpPr>
+          <p:cNvPr id="28" name="TextBox 27">
+            <a:extLst>
+              <a:ext uri="{FF2B5EF4-FFF2-40B4-BE49-F238E27FC236}">
+                <a16:creationId xmlns:a16="http://schemas.microsoft.com/office/drawing/2014/main" id="{FACD7D0E-79F1-4395-8C8C-73E5A981070E}"/>
+              </a:ext>
+            </a:extLst>
+          </p:cNvPr>
+          <p:cNvSpPr txBox="1"/>
+          <p:nvPr/>
+        </p:nvSpPr>
+        <p:spPr>
+          <a:xfrm>
+            <a:off x="8392473" y="1657369"/>
+            <a:ext cx="1859623" cy="369298"/>
+          </a:xfrm>
+          <a:prstGeom prst="rect">
+            <a:avLst/>
+          </a:prstGeom>
+          <a:noFill/>
+        </p:spPr>
+        <p:txBody>
+          <a:bodyPr wrap="square" rtlCol="0">
+            <a:spAutoFit/>
+          </a:bodyPr>
+          <a:lstStyle/>
+          <a:p>
+            <a:r>
+              <a:rPr lang="fr-FR" dirty="0"/>
+              <a:t>norme = …</a:t>
+            </a:r>
+          </a:p>
+        </p:txBody>
+      </p:sp>
     </p:spTree>
     <p:extLst>
       <p:ext uri="{BB962C8B-B14F-4D97-AF65-F5344CB8AC3E}">
